--- a/courses/compilers/lectures/F-ll-parsing.pptx
+++ b/courses/compilers/lectures/F-ll-parsing.pptx
@@ -6477,19 +6477,7 @@
               <a:rPr lang="en-US" dirty="0">
                 <a:sym typeface="Symbol" pitchFamily="18" charset="2"/>
               </a:rPr>
-              <a:t> </a:t>
-            </a:r>
-            <a:r>
-              <a:rPr lang="en-US">
-                <a:sym typeface="Symbol" pitchFamily="18" charset="2"/>
-              </a:rPr>
-              <a:t>(Perhaps) If </a:t>
-            </a:r>
-            <a:r>
-              <a:rPr lang="en-US" dirty="0">
-                <a:sym typeface="Symbol" pitchFamily="18" charset="2"/>
-              </a:rPr>
-              <a:t>you’re going to use a tool-generated parser, might as well use LR</a:t>
+              <a:t> (Perhaps) If you’re going to use a tool-generated parser, might as well use LR</a:t>
             </a:r>
           </a:p>
           <a:p>
@@ -9216,21 +9204,21 @@
           <a:p>
             <a:pPr eaLnBrk="1" hangingPunct="1"/>
             <a:r>
-              <a:rPr lang="en-US" sz="2800"/>
+              <a:rPr lang="en-US" sz="2800" dirty="0"/>
               <a:t>The parser functions need to agree on where they are in the input</a:t>
             </a:r>
           </a:p>
           <a:p>
             <a:pPr eaLnBrk="1" hangingPunct="1"/>
             <a:r>
-              <a:rPr lang="en-US" sz="2800"/>
+              <a:rPr lang="en-US" sz="2800" dirty="0"/>
               <a:t>Useful invariant: When a parser function is called, the current token (next unprocessed piece of the input) is the token that begins the expanded non-terminal being parsed</a:t>
             </a:r>
           </a:p>
           <a:p>
             <a:pPr lvl="1" eaLnBrk="1" hangingPunct="1"/>
             <a:r>
-              <a:rPr lang="en-US" sz="2400"/>
+              <a:rPr lang="en-US" sz="2400" dirty="0"/>
               <a:t>Corollary: when a parser function is done, it must have completely consumed input correspond to that non-terminal</a:t>
             </a:r>
           </a:p>
